--- a/Semester Project/Semester project 2390l.pptx
+++ b/Semester Project/Semester project 2390l.pptx
@@ -9,13 +9,11 @@
     <p:sldId id="257" r:id="rId3"/>
     <p:sldId id="258" r:id="rId4"/>
     <p:sldId id="259" r:id="rId5"/>
-    <p:sldId id="260" r:id="rId6"/>
-    <p:sldId id="261" r:id="rId7"/>
-    <p:sldId id="262" r:id="rId8"/>
-    <p:sldId id="263" r:id="rId9"/>
-    <p:sldId id="264" r:id="rId10"/>
-    <p:sldId id="265" r:id="rId11"/>
-    <p:sldId id="266" r:id="rId12"/>
+    <p:sldId id="261" r:id="rId6"/>
+    <p:sldId id="263" r:id="rId7"/>
+    <p:sldId id="264" r:id="rId8"/>
+    <p:sldId id="265" r:id="rId9"/>
+    <p:sldId id="266" r:id="rId10"/>
   </p:sldIdLst>
   <p:sldSz cx="12192000" cy="6858000"/>
   <p:notesSz cx="6858000" cy="9144000"/>
@@ -114,6 +112,11 @@
       </a:defRPr>
     </a:lvl9pPr>
   </p:defaultTextStyle>
+  <p:extLst>
+    <p:ext uri="{EFAFB233-063F-42B5-8137-9DF3F51BA10A}">
+      <p15:sldGuideLst xmlns:p15="http://schemas.microsoft.com/office/powerpoint/2012/main"/>
+    </p:ext>
+  </p:extLst>
 </p:presentation>
 </file>
 
@@ -8802,7 +8805,7 @@
           </a:lstStyle>
           <a:p>
             <a:r>
-              <a:rPr lang="en-US" smtClean="0"/>
+              <a:rPr lang="en-US"/>
               <a:t>Click to edit Master title style</a:t>
             </a:r>
             <a:endParaRPr lang="en-US" dirty="0"/>
@@ -8882,7 +8885,7 @@
           </a:lstStyle>
           <a:p>
             <a:r>
-              <a:rPr lang="en-US" smtClean="0"/>
+              <a:rPr lang="en-US"/>
               <a:t>Click to edit Master subtitle style</a:t>
             </a:r>
             <a:endParaRPr lang="en-US" dirty="0"/>
@@ -9041,7 +9044,7 @@
           <a:lstStyle/>
           <a:p>
             <a:r>
-              <a:rPr lang="en-US" smtClean="0"/>
+              <a:rPr lang="en-US"/>
               <a:t>Click to edit Master title style</a:t>
             </a:r>
             <a:endParaRPr lang="en-US" dirty="0"/>
@@ -9065,35 +9068,35 @@
           <a:p>
             <a:pPr lvl="0"/>
             <a:r>
-              <a:rPr lang="en-US" smtClean="0"/>
+              <a:rPr lang="en-US"/>
               <a:t>Edit Master text styles</a:t>
             </a:r>
           </a:p>
           <a:p>
             <a:pPr lvl="1"/>
             <a:r>
-              <a:rPr lang="en-US" smtClean="0"/>
+              <a:rPr lang="en-US"/>
               <a:t>Second level</a:t>
             </a:r>
           </a:p>
           <a:p>
             <a:pPr lvl="2"/>
             <a:r>
-              <a:rPr lang="en-US" smtClean="0"/>
+              <a:rPr lang="en-US"/>
               <a:t>Third level</a:t>
             </a:r>
           </a:p>
           <a:p>
             <a:pPr lvl="3"/>
             <a:r>
-              <a:rPr lang="en-US" smtClean="0"/>
+              <a:rPr lang="en-US"/>
               <a:t>Fourth level</a:t>
             </a:r>
           </a:p>
           <a:p>
             <a:pPr lvl="4"/>
             <a:r>
-              <a:rPr lang="en-US" smtClean="0"/>
+              <a:rPr lang="en-US"/>
               <a:t>Fifth level</a:t>
             </a:r>
             <a:endParaRPr lang="en-US" dirty="0"/>
@@ -9216,7 +9219,7 @@
           <a:lstStyle/>
           <a:p>
             <a:r>
-              <a:rPr lang="en-US" smtClean="0"/>
+              <a:rPr lang="en-US"/>
               <a:t>Click to edit Master title style</a:t>
             </a:r>
             <a:endParaRPr lang="en-US" dirty="0"/>
@@ -9245,35 +9248,35 @@
           <a:p>
             <a:pPr lvl="0"/>
             <a:r>
-              <a:rPr lang="en-US" smtClean="0"/>
+              <a:rPr lang="en-US"/>
               <a:t>Edit Master text styles</a:t>
             </a:r>
           </a:p>
           <a:p>
             <a:pPr lvl="1"/>
             <a:r>
-              <a:rPr lang="en-US" smtClean="0"/>
+              <a:rPr lang="en-US"/>
               <a:t>Second level</a:t>
             </a:r>
           </a:p>
           <a:p>
             <a:pPr lvl="2"/>
             <a:r>
-              <a:rPr lang="en-US" smtClean="0"/>
+              <a:rPr lang="en-US"/>
               <a:t>Third level</a:t>
             </a:r>
           </a:p>
           <a:p>
             <a:pPr lvl="3"/>
             <a:r>
-              <a:rPr lang="en-US" smtClean="0"/>
+              <a:rPr lang="en-US"/>
               <a:t>Fourth level</a:t>
             </a:r>
           </a:p>
           <a:p>
             <a:pPr lvl="4"/>
             <a:r>
-              <a:rPr lang="en-US" smtClean="0"/>
+              <a:rPr lang="en-US"/>
               <a:t>Fifth level</a:t>
             </a:r>
             <a:endParaRPr lang="en-US" dirty="0"/>
@@ -9426,7 +9429,7 @@
           <a:lstStyle/>
           <a:p>
             <a:r>
-              <a:rPr lang="en-US" smtClean="0"/>
+              <a:rPr lang="en-US"/>
               <a:t>Click to edit Master title style</a:t>
             </a:r>
             <a:endParaRPr lang="en-US" dirty="0"/>
@@ -9450,35 +9453,35 @@
           <a:p>
             <a:pPr lvl="0"/>
             <a:r>
-              <a:rPr lang="en-US" smtClean="0"/>
+              <a:rPr lang="en-US"/>
               <a:t>Edit Master text styles</a:t>
             </a:r>
           </a:p>
           <a:p>
             <a:pPr lvl="1"/>
             <a:r>
-              <a:rPr lang="en-US" smtClean="0"/>
+              <a:rPr lang="en-US"/>
               <a:t>Second level</a:t>
             </a:r>
           </a:p>
           <a:p>
             <a:pPr lvl="2"/>
             <a:r>
-              <a:rPr lang="en-US" smtClean="0"/>
+              <a:rPr lang="en-US"/>
               <a:t>Third level</a:t>
             </a:r>
           </a:p>
           <a:p>
             <a:pPr lvl="3"/>
             <a:r>
-              <a:rPr lang="en-US" smtClean="0"/>
+              <a:rPr lang="en-US"/>
               <a:t>Fourth level</a:t>
             </a:r>
           </a:p>
           <a:p>
             <a:pPr lvl="4"/>
             <a:r>
-              <a:rPr lang="en-US" smtClean="0"/>
+              <a:rPr lang="en-US"/>
               <a:t>Fifth level</a:t>
             </a:r>
             <a:endParaRPr lang="en-US" dirty="0"/>
@@ -18248,7 +18251,7 @@
           </a:lstStyle>
           <a:p>
             <a:r>
-              <a:rPr lang="en-US" smtClean="0"/>
+              <a:rPr lang="en-US"/>
               <a:t>Click to edit Master title style</a:t>
             </a:r>
             <a:endParaRPr lang="en-US" dirty="0"/>
@@ -18377,7 +18380,7 @@
           <a:p>
             <a:pPr lvl="0"/>
             <a:r>
-              <a:rPr lang="en-US" smtClean="0"/>
+              <a:rPr lang="en-US"/>
               <a:t>Edit Master text styles</a:t>
             </a:r>
           </a:p>
@@ -18536,7 +18539,7 @@
           <a:lstStyle/>
           <a:p>
             <a:r>
-              <a:rPr lang="en-US" smtClean="0"/>
+              <a:rPr lang="en-US"/>
               <a:t>Click to edit Master title style</a:t>
             </a:r>
             <a:endParaRPr lang="en-US" dirty="0"/>
@@ -18565,35 +18568,35 @@
           <a:p>
             <a:pPr lvl="0"/>
             <a:r>
-              <a:rPr lang="en-US" smtClean="0"/>
+              <a:rPr lang="en-US"/>
               <a:t>Edit Master text styles</a:t>
             </a:r>
           </a:p>
           <a:p>
             <a:pPr lvl="1"/>
             <a:r>
-              <a:rPr lang="en-US" smtClean="0"/>
+              <a:rPr lang="en-US"/>
               <a:t>Second level</a:t>
             </a:r>
           </a:p>
           <a:p>
             <a:pPr lvl="2"/>
             <a:r>
-              <a:rPr lang="en-US" smtClean="0"/>
+              <a:rPr lang="en-US"/>
               <a:t>Third level</a:t>
             </a:r>
           </a:p>
           <a:p>
             <a:pPr lvl="3"/>
             <a:r>
-              <a:rPr lang="en-US" smtClean="0"/>
+              <a:rPr lang="en-US"/>
               <a:t>Fourth level</a:t>
             </a:r>
           </a:p>
           <a:p>
             <a:pPr lvl="4"/>
             <a:r>
-              <a:rPr lang="en-US" smtClean="0"/>
+              <a:rPr lang="en-US"/>
               <a:t>Fifth level</a:t>
             </a:r>
             <a:endParaRPr lang="en-US" dirty="0"/>
@@ -18622,35 +18625,35 @@
           <a:p>
             <a:pPr lvl="0"/>
             <a:r>
-              <a:rPr lang="en-US" smtClean="0"/>
+              <a:rPr lang="en-US"/>
               <a:t>Edit Master text styles</a:t>
             </a:r>
           </a:p>
           <a:p>
             <a:pPr lvl="1"/>
             <a:r>
-              <a:rPr lang="en-US" smtClean="0"/>
+              <a:rPr lang="en-US"/>
               <a:t>Second level</a:t>
             </a:r>
           </a:p>
           <a:p>
             <a:pPr lvl="2"/>
             <a:r>
-              <a:rPr lang="en-US" smtClean="0"/>
+              <a:rPr lang="en-US"/>
               <a:t>Third level</a:t>
             </a:r>
           </a:p>
           <a:p>
             <a:pPr lvl="3"/>
             <a:r>
-              <a:rPr lang="en-US" smtClean="0"/>
+              <a:rPr lang="en-US"/>
               <a:t>Fourth level</a:t>
             </a:r>
           </a:p>
           <a:p>
             <a:pPr lvl="4"/>
             <a:r>
-              <a:rPr lang="en-US" smtClean="0"/>
+              <a:rPr lang="en-US"/>
               <a:t>Fifth level</a:t>
             </a:r>
             <a:endParaRPr lang="en-US" dirty="0"/>
@@ -18768,7 +18771,7 @@
           <a:lstStyle/>
           <a:p>
             <a:r>
-              <a:rPr lang="en-US" smtClean="0"/>
+              <a:rPr lang="en-US"/>
               <a:t>Click to edit Master title style</a:t>
             </a:r>
             <a:endParaRPr lang="en-US" dirty="0"/>
@@ -18847,7 +18850,7 @@
           <a:p>
             <a:pPr lvl="0"/>
             <a:r>
-              <a:rPr lang="en-US" smtClean="0"/>
+              <a:rPr lang="en-US"/>
               <a:t>Edit Master text styles</a:t>
             </a:r>
           </a:p>
@@ -18875,35 +18878,35 @@
           <a:p>
             <a:pPr lvl="0"/>
             <a:r>
-              <a:rPr lang="en-US" smtClean="0"/>
+              <a:rPr lang="en-US"/>
               <a:t>Edit Master text styles</a:t>
             </a:r>
           </a:p>
           <a:p>
             <a:pPr lvl="1"/>
             <a:r>
-              <a:rPr lang="en-US" smtClean="0"/>
+              <a:rPr lang="en-US"/>
               <a:t>Second level</a:t>
             </a:r>
           </a:p>
           <a:p>
             <a:pPr lvl="2"/>
             <a:r>
-              <a:rPr lang="en-US" smtClean="0"/>
+              <a:rPr lang="en-US"/>
               <a:t>Third level</a:t>
             </a:r>
           </a:p>
           <a:p>
             <a:pPr lvl="3"/>
             <a:r>
-              <a:rPr lang="en-US" smtClean="0"/>
+              <a:rPr lang="en-US"/>
               <a:t>Fourth level</a:t>
             </a:r>
           </a:p>
           <a:p>
             <a:pPr lvl="4"/>
             <a:r>
-              <a:rPr lang="en-US" smtClean="0"/>
+              <a:rPr lang="en-US"/>
               <a:t>Fifth level</a:t>
             </a:r>
             <a:endParaRPr lang="en-US" dirty="0"/>
@@ -18992,7 +18995,7 @@
               <a:buNone/>
             </a:pPr>
             <a:r>
-              <a:rPr lang="en-US" smtClean="0"/>
+              <a:rPr lang="en-US"/>
               <a:t>Edit Master text styles</a:t>
             </a:r>
           </a:p>
@@ -19020,35 +19023,35 @@
           <a:p>
             <a:pPr lvl="0"/>
             <a:r>
-              <a:rPr lang="en-US" smtClean="0"/>
+              <a:rPr lang="en-US"/>
               <a:t>Edit Master text styles</a:t>
             </a:r>
           </a:p>
           <a:p>
             <a:pPr lvl="1"/>
             <a:r>
-              <a:rPr lang="en-US" smtClean="0"/>
+              <a:rPr lang="en-US"/>
               <a:t>Second level</a:t>
             </a:r>
           </a:p>
           <a:p>
             <a:pPr lvl="2"/>
             <a:r>
-              <a:rPr lang="en-US" smtClean="0"/>
+              <a:rPr lang="en-US"/>
               <a:t>Third level</a:t>
             </a:r>
           </a:p>
           <a:p>
             <a:pPr lvl="3"/>
             <a:r>
-              <a:rPr lang="en-US" smtClean="0"/>
+              <a:rPr lang="en-US"/>
               <a:t>Fourth level</a:t>
             </a:r>
           </a:p>
           <a:p>
             <a:pPr lvl="4"/>
             <a:r>
-              <a:rPr lang="en-US" smtClean="0"/>
+              <a:rPr lang="en-US"/>
               <a:t>Fifth level</a:t>
             </a:r>
             <a:endParaRPr lang="en-US" dirty="0"/>
@@ -19166,7 +19169,7 @@
           <a:lstStyle/>
           <a:p>
             <a:r>
-              <a:rPr lang="en-US" smtClean="0"/>
+              <a:rPr lang="en-US"/>
               <a:t>Click to edit Master title style</a:t>
             </a:r>
             <a:endParaRPr lang="en-US" dirty="0"/>
@@ -19393,7 +19396,7 @@
           </a:lstStyle>
           <a:p>
             <a:r>
-              <a:rPr lang="en-US" smtClean="0"/>
+              <a:rPr lang="en-US"/>
               <a:t>Click to edit Master title style</a:t>
             </a:r>
             <a:endParaRPr lang="en-US" dirty="0"/>
@@ -19450,35 +19453,35 @@
           <a:p>
             <a:pPr lvl="0"/>
             <a:r>
-              <a:rPr lang="en-US" smtClean="0"/>
+              <a:rPr lang="en-US"/>
               <a:t>Edit Master text styles</a:t>
             </a:r>
           </a:p>
           <a:p>
             <a:pPr lvl="1"/>
             <a:r>
-              <a:rPr lang="en-US" smtClean="0"/>
+              <a:rPr lang="en-US"/>
               <a:t>Second level</a:t>
             </a:r>
           </a:p>
           <a:p>
             <a:pPr lvl="2"/>
             <a:r>
-              <a:rPr lang="en-US" smtClean="0"/>
+              <a:rPr lang="en-US"/>
               <a:t>Third level</a:t>
             </a:r>
           </a:p>
           <a:p>
             <a:pPr lvl="3"/>
             <a:r>
-              <a:rPr lang="en-US" smtClean="0"/>
+              <a:rPr lang="en-US"/>
               <a:t>Fourth level</a:t>
             </a:r>
           </a:p>
           <a:p>
             <a:pPr lvl="4"/>
             <a:r>
-              <a:rPr lang="en-US" smtClean="0"/>
+              <a:rPr lang="en-US"/>
               <a:t>Fifth level</a:t>
             </a:r>
             <a:endParaRPr lang="en-US" dirty="0"/>
@@ -19552,7 +19555,7 @@
           <a:p>
             <a:pPr lvl="0"/>
             <a:r>
-              <a:rPr lang="en-US" smtClean="0"/>
+              <a:rPr lang="en-US"/>
               <a:t>Edit Master text styles</a:t>
             </a:r>
           </a:p>
@@ -19680,7 +19683,7 @@
           </a:lstStyle>
           <a:p>
             <a:r>
-              <a:rPr lang="en-US" smtClean="0"/>
+              <a:rPr lang="en-US"/>
               <a:t>Click to edit Master title style</a:t>
             </a:r>
             <a:endParaRPr lang="en-US" dirty="0"/>
@@ -19751,7 +19754,7 @@
           </a:lstStyle>
           <a:p>
             <a:r>
-              <a:rPr lang="en-US" smtClean="0"/>
+              <a:rPr lang="en-US"/>
               <a:t>Click icon to add picture</a:t>
             </a:r>
             <a:endParaRPr lang="en-US" dirty="0"/>
@@ -19832,7 +19835,7 @@
           <a:p>
             <a:pPr lvl="0"/>
             <a:r>
-              <a:rPr lang="en-US" smtClean="0"/>
+              <a:rPr lang="en-US"/>
               <a:t>Edit Master text styles</a:t>
             </a:r>
           </a:p>
@@ -19999,7 +20002,7 @@
           <a:lstStyle/>
           <a:p>
             <a:r>
-              <a:rPr lang="en-US" smtClean="0"/>
+              <a:rPr lang="en-US"/>
               <a:t>Click to edit Master title style</a:t>
             </a:r>
             <a:endParaRPr lang="en-US" dirty="0"/>
@@ -20033,35 +20036,35 @@
           <a:p>
             <a:pPr lvl="0"/>
             <a:r>
-              <a:rPr lang="en-US" smtClean="0"/>
+              <a:rPr lang="en-US"/>
               <a:t>Edit Master text styles</a:t>
             </a:r>
           </a:p>
           <a:p>
             <a:pPr lvl="1"/>
             <a:r>
-              <a:rPr lang="en-US" smtClean="0"/>
+              <a:rPr lang="en-US"/>
               <a:t>Second level</a:t>
             </a:r>
           </a:p>
           <a:p>
             <a:pPr lvl="2"/>
             <a:r>
-              <a:rPr lang="en-US" smtClean="0"/>
+              <a:rPr lang="en-US"/>
               <a:t>Third level</a:t>
             </a:r>
           </a:p>
           <a:p>
             <a:pPr lvl="3"/>
             <a:r>
-              <a:rPr lang="en-US" smtClean="0"/>
+              <a:rPr lang="en-US"/>
               <a:t>Fourth level</a:t>
             </a:r>
           </a:p>
           <a:p>
             <a:pPr lvl="4"/>
             <a:r>
-              <a:rPr lang="en-US" smtClean="0"/>
+              <a:rPr lang="en-US"/>
               <a:t>Fifth level</a:t>
             </a:r>
             <a:endParaRPr lang="en-US" dirty="0"/>
@@ -20623,10 +20626,9 @@
           <a:lstStyle/>
           <a:p>
             <a:r>
-              <a:rPr lang="en-US" dirty="0" smtClean="0"/>
+              <a:rPr lang="en-US" dirty="0"/>
               <a:t>Semester project 2390l :Motion sensor activated motor</a:t>
             </a:r>
-            <a:endParaRPr lang="en-US" dirty="0"/>
           </a:p>
         </p:txBody>
       </p:sp>
@@ -20648,10 +20650,9 @@
           <a:lstStyle/>
           <a:p>
             <a:r>
-              <a:rPr lang="en-US" sz="2000" dirty="0" smtClean="0"/>
+              <a:rPr lang="en-US" sz="2000" dirty="0"/>
               <a:t>By Jordan Pierre and Jackandie Joanis</a:t>
             </a:r>
-            <a:endParaRPr lang="en-US" sz="2000" dirty="0"/>
           </a:p>
         </p:txBody>
       </p:sp>
@@ -20727,171 +20728,6 @@
   <p:clrMapOvr>
     <a:masterClrMapping/>
   </p:clrMapOvr>
-  <p:timing>
-    <p:tnLst>
-      <p:par>
-        <p:cTn id="1" dur="indefinite" restart="never" nodeType="tmRoot"/>
-      </p:par>
-    </p:tnLst>
-  </p:timing>
-</p:sld>
-</file>
-
-<file path=ppt/slides/slide10.xml><?xml version="1.0" encoding="utf-8"?>
-<p:sld xmlns:a="http://schemas.openxmlformats.org/drawingml/2006/main" xmlns:r="http://schemas.openxmlformats.org/officeDocument/2006/relationships" xmlns:p="http://schemas.openxmlformats.org/presentationml/2006/main">
-  <p:cSld>
-    <p:spTree>
-      <p:nvGrpSpPr>
-        <p:cNvPr id="1" name=""/>
-        <p:cNvGrpSpPr/>
-        <p:nvPr/>
-      </p:nvGrpSpPr>
-      <p:grpSpPr>
-        <a:xfrm>
-          <a:off x="0" y="0"/>
-          <a:ext cx="0" cy="0"/>
-          <a:chOff x="0" y="0"/>
-          <a:chExt cx="0" cy="0"/>
-        </a:xfrm>
-      </p:grpSpPr>
-      <p:sp>
-        <p:nvSpPr>
-          <p:cNvPr id="2" name="Title 1"/>
-          <p:cNvSpPr>
-            <a:spLocks noGrp="1"/>
-          </p:cNvSpPr>
-          <p:nvPr>
-            <p:ph type="title"/>
-          </p:nvPr>
-        </p:nvSpPr>
-        <p:spPr/>
-        <p:txBody>
-          <a:bodyPr/>
-          <a:lstStyle/>
-          <a:p>
-            <a:r>
-              <a:rPr lang="en-US" dirty="0" smtClean="0"/>
-              <a:t>Challenges</a:t>
-            </a:r>
-            <a:endParaRPr lang="en-US" dirty="0"/>
-          </a:p>
-        </p:txBody>
-      </p:sp>
-      <p:sp>
-        <p:nvSpPr>
-          <p:cNvPr id="5" name="Content Placeholder 4"/>
-          <p:cNvSpPr>
-            <a:spLocks noGrp="1"/>
-          </p:cNvSpPr>
-          <p:nvPr>
-            <p:ph idx="1"/>
-          </p:nvPr>
-        </p:nvSpPr>
-        <p:spPr/>
-        <p:txBody>
-          <a:bodyPr/>
-          <a:lstStyle/>
-          <a:p>
-            <a:endParaRPr lang="en-US" dirty="0"/>
-          </a:p>
-        </p:txBody>
-      </p:sp>
-    </p:spTree>
-    <p:extLst>
-      <p:ext uri="{BB962C8B-B14F-4D97-AF65-F5344CB8AC3E}">
-        <p14:creationId xmlns:p14="http://schemas.microsoft.com/office/powerpoint/2010/main" val="2344320144"/>
-      </p:ext>
-    </p:extLst>
-  </p:cSld>
-  <p:clrMapOvr>
-    <a:masterClrMapping/>
-  </p:clrMapOvr>
-  <p:timing>
-    <p:tnLst>
-      <p:par>
-        <p:cTn id="1" dur="indefinite" restart="never" nodeType="tmRoot"/>
-      </p:par>
-    </p:tnLst>
-  </p:timing>
-</p:sld>
-</file>
-
-<file path=ppt/slides/slide11.xml><?xml version="1.0" encoding="utf-8"?>
-<p:sld xmlns:a="http://schemas.openxmlformats.org/drawingml/2006/main" xmlns:r="http://schemas.openxmlformats.org/officeDocument/2006/relationships" xmlns:p="http://schemas.openxmlformats.org/presentationml/2006/main">
-  <p:cSld>
-    <p:spTree>
-      <p:nvGrpSpPr>
-        <p:cNvPr id="1" name=""/>
-        <p:cNvGrpSpPr/>
-        <p:nvPr/>
-      </p:nvGrpSpPr>
-      <p:grpSpPr>
-        <a:xfrm>
-          <a:off x="0" y="0"/>
-          <a:ext cx="0" cy="0"/>
-          <a:chOff x="0" y="0"/>
-          <a:chExt cx="0" cy="0"/>
-        </a:xfrm>
-      </p:grpSpPr>
-      <p:sp>
-        <p:nvSpPr>
-          <p:cNvPr id="2" name="Title 1"/>
-          <p:cNvSpPr>
-            <a:spLocks noGrp="1"/>
-          </p:cNvSpPr>
-          <p:nvPr>
-            <p:ph type="title"/>
-          </p:nvPr>
-        </p:nvSpPr>
-        <p:spPr/>
-        <p:txBody>
-          <a:bodyPr/>
-          <a:lstStyle/>
-          <a:p>
-            <a:r>
-              <a:rPr lang="en-US" dirty="0" smtClean="0"/>
-              <a:t>CONCLUSION</a:t>
-            </a:r>
-            <a:endParaRPr lang="en-US" dirty="0"/>
-          </a:p>
-        </p:txBody>
-      </p:sp>
-      <p:sp>
-        <p:nvSpPr>
-          <p:cNvPr id="3" name="Content Placeholder 2"/>
-          <p:cNvSpPr>
-            <a:spLocks noGrp="1"/>
-          </p:cNvSpPr>
-          <p:nvPr>
-            <p:ph idx="1"/>
-          </p:nvPr>
-        </p:nvSpPr>
-        <p:spPr/>
-        <p:txBody>
-          <a:bodyPr/>
-          <a:lstStyle/>
-          <a:p>
-            <a:endParaRPr lang="en-US"/>
-          </a:p>
-        </p:txBody>
-      </p:sp>
-    </p:spTree>
-    <p:extLst>
-      <p:ext uri="{BB962C8B-B14F-4D97-AF65-F5344CB8AC3E}">
-        <p14:creationId xmlns:p14="http://schemas.microsoft.com/office/powerpoint/2010/main" val="3835368809"/>
-      </p:ext>
-    </p:extLst>
-  </p:cSld>
-  <p:clrMapOvr>
-    <a:masterClrMapping/>
-  </p:clrMapOvr>
-  <p:timing>
-    <p:tnLst>
-      <p:par>
-        <p:cTn id="1" dur="indefinite" restart="never" nodeType="tmRoot"/>
-      </p:par>
-    </p:tnLst>
-  </p:timing>
 </p:sld>
 </file>
 
@@ -20928,10 +20764,9 @@
           <a:lstStyle/>
           <a:p>
             <a:r>
-              <a:rPr lang="en-US" dirty="0" smtClean="0"/>
+              <a:rPr lang="en-US" dirty="0"/>
               <a:t>DOCUMENTATION</a:t>
             </a:r>
-            <a:endParaRPr lang="en-US" dirty="0"/>
           </a:p>
         </p:txBody>
       </p:sp>
@@ -20947,10 +20782,15 @@
         </p:nvSpPr>
         <p:spPr/>
         <p:txBody>
-          <a:bodyPr/>
+          <a:bodyPr>
+            <a:normAutofit/>
+          </a:bodyPr>
           <a:lstStyle/>
           <a:p>
-            <a:endParaRPr lang="en-US"/>
+            <a:r>
+              <a:rPr lang="en-US" sz="3200" dirty="0"/>
+              <a:t>The purpose of this project was to control a motor with a motion sensor so that when it detects motion, the motor will turn left or right depending on which sensor picked up movement. The inspiration that led to the creation of this project came simply from the thought,” what if blinds were controlled by motion sensors instead of remotes?”</a:t>
+            </a:r>
           </a:p>
         </p:txBody>
       </p:sp>
@@ -20964,13 +20804,6 @@
   <p:clrMapOvr>
     <a:masterClrMapping/>
   </p:clrMapOvr>
-  <p:timing>
-    <p:tnLst>
-      <p:par>
-        <p:cTn id="1" dur="indefinite" restart="never" nodeType="tmRoot"/>
-      </p:par>
-    </p:tnLst>
-  </p:timing>
 </p:sld>
 </file>
 
@@ -21007,10 +20840,9 @@
           <a:lstStyle/>
           <a:p>
             <a:r>
-              <a:rPr lang="en-US" dirty="0" smtClean="0"/>
+              <a:rPr lang="en-US" dirty="0"/>
               <a:t>Components Needed:</a:t>
             </a:r>
-            <a:endParaRPr lang="en-US" dirty="0"/>
           </a:p>
         </p:txBody>
       </p:sp>
@@ -21034,7 +20866,7 @@
               <a:buChar char="•"/>
             </a:pPr>
             <a:r>
-              <a:rPr lang="en-US" sz="3600" dirty="0" smtClean="0"/>
+              <a:rPr lang="en-US" sz="3600" dirty="0"/>
               <a:t>Raspberry pi x1</a:t>
             </a:r>
           </a:p>
@@ -21044,7 +20876,7 @@
               <a:buChar char="•"/>
             </a:pPr>
             <a:r>
-              <a:rPr lang="en-US" sz="3600" dirty="0" smtClean="0"/>
+              <a:rPr lang="en-US" sz="3600" dirty="0"/>
               <a:t>Breadboard x1</a:t>
             </a:r>
           </a:p>
@@ -21054,7 +20886,7 @@
               <a:buChar char="•"/>
             </a:pPr>
             <a:r>
-              <a:rPr lang="en-US" sz="3600" dirty="0" smtClean="0"/>
+              <a:rPr lang="en-US" sz="3600" dirty="0"/>
               <a:t>PIR Motion Sensor x2</a:t>
             </a:r>
           </a:p>
@@ -21064,7 +20896,7 @@
               <a:buChar char="•"/>
             </a:pPr>
             <a:r>
-              <a:rPr lang="en-US" sz="3600" dirty="0" smtClean="0"/>
+              <a:rPr lang="en-US" sz="3600" dirty="0"/>
               <a:t>Micro Servo x1</a:t>
             </a:r>
           </a:p>
@@ -21074,7 +20906,7 @@
               <a:buChar char="•"/>
             </a:pPr>
             <a:r>
-              <a:rPr lang="en-US" sz="3600" dirty="0" smtClean="0"/>
+              <a:rPr lang="en-US" sz="3600" dirty="0"/>
               <a:t>LED’s x2</a:t>
             </a:r>
           </a:p>
@@ -21084,7 +20916,7 @@
               <a:buChar char="•"/>
             </a:pPr>
             <a:r>
-              <a:rPr lang="en-US" sz="3600" dirty="0" smtClean="0"/>
+              <a:rPr lang="en-US" sz="3600" dirty="0"/>
               <a:t>Rainbow Jumper Wires</a:t>
             </a:r>
           </a:p>
@@ -21106,13 +20938,6 @@
   <p:clrMapOvr>
     <a:masterClrMapping/>
   </p:clrMapOvr>
-  <p:timing>
-    <p:tnLst>
-      <p:par>
-        <p:cTn id="1" dur="indefinite" restart="never" nodeType="tmRoot"/>
-      </p:par>
-    </p:tnLst>
-  </p:timing>
 </p:sld>
 </file>
 
@@ -21149,10 +20974,9 @@
           <a:lstStyle/>
           <a:p>
             <a:r>
-              <a:rPr lang="en-US" dirty="0" smtClean="0"/>
+              <a:rPr lang="en-US" dirty="0"/>
               <a:t>Step One: The Led(S)</a:t>
             </a:r>
-            <a:endParaRPr lang="en-US" dirty="0"/>
           </a:p>
         </p:txBody>
       </p:sp>
@@ -21194,10 +21018,29 @@
         </p:nvSpPr>
         <p:spPr/>
         <p:txBody>
-          <a:bodyPr/>
+          <a:bodyPr>
+            <a:normAutofit/>
+          </a:bodyPr>
           <a:lstStyle/>
           <a:p>
-            <a:endParaRPr lang="en-US"/>
+            <a:pPr marL="285750" indent="-285750">
+              <a:buFont typeface="Arial" panose="020B0604020202020204" pitchFamily="34" charset="0"/>
+              <a:buChar char="•"/>
+            </a:pPr>
+            <a:r>
+              <a:rPr lang="en-US" sz="3200" dirty="0"/>
+              <a:t>Testing reaction between GPIO Pins and breadboard</a:t>
+            </a:r>
+          </a:p>
+          <a:p>
+            <a:pPr marL="285750" indent="-285750">
+              <a:buFont typeface="Arial" panose="020B0604020202020204" pitchFamily="34" charset="0"/>
+              <a:buChar char="•"/>
+            </a:pPr>
+            <a:r>
+              <a:rPr lang="en-US" sz="3200" dirty="0"/>
+              <a:t>Testing sending signals through Pins, to Bread Board,  to Led</a:t>
+            </a:r>
           </a:p>
         </p:txBody>
       </p:sp>
@@ -21211,96 +21054,10 @@
   <p:clrMapOvr>
     <a:masterClrMapping/>
   </p:clrMapOvr>
-  <p:timing>
-    <p:tnLst>
-      <p:par>
-        <p:cTn id="1" dur="indefinite" restart="never" nodeType="tmRoot"/>
-      </p:par>
-    </p:tnLst>
-  </p:timing>
 </p:sld>
 </file>
 
 <file path=ppt/slides/slide5.xml><?xml version="1.0" encoding="utf-8"?>
-<p:sld xmlns:a="http://schemas.openxmlformats.org/drawingml/2006/main" xmlns:r="http://schemas.openxmlformats.org/officeDocument/2006/relationships" xmlns:p="http://schemas.openxmlformats.org/presentationml/2006/main">
-  <p:cSld>
-    <p:spTree>
-      <p:nvGrpSpPr>
-        <p:cNvPr id="1" name=""/>
-        <p:cNvGrpSpPr/>
-        <p:nvPr/>
-      </p:nvGrpSpPr>
-      <p:grpSpPr>
-        <a:xfrm>
-          <a:off x="0" y="0"/>
-          <a:ext cx="0" cy="0"/>
-          <a:chOff x="0" y="0"/>
-          <a:chExt cx="0" cy="0"/>
-        </a:xfrm>
-      </p:grpSpPr>
-      <p:sp>
-        <p:nvSpPr>
-          <p:cNvPr id="2" name="Title 1"/>
-          <p:cNvSpPr>
-            <a:spLocks noGrp="1"/>
-          </p:cNvSpPr>
-          <p:nvPr>
-            <p:ph type="title"/>
-          </p:nvPr>
-        </p:nvSpPr>
-        <p:spPr/>
-        <p:txBody>
-          <a:bodyPr/>
-          <a:lstStyle/>
-          <a:p>
-            <a:r>
-              <a:rPr lang="en-US" dirty="0" smtClean="0"/>
-              <a:t>Step One (Continued)</a:t>
-            </a:r>
-            <a:endParaRPr lang="en-US" dirty="0"/>
-          </a:p>
-        </p:txBody>
-      </p:sp>
-      <p:sp>
-        <p:nvSpPr>
-          <p:cNvPr id="6" name="Content Placeholder 5"/>
-          <p:cNvSpPr>
-            <a:spLocks noGrp="1"/>
-          </p:cNvSpPr>
-          <p:nvPr>
-            <p:ph idx="1"/>
-          </p:nvPr>
-        </p:nvSpPr>
-        <p:spPr/>
-        <p:txBody>
-          <a:bodyPr/>
-          <a:lstStyle/>
-          <a:p>
-            <a:endParaRPr lang="en-US"/>
-          </a:p>
-        </p:txBody>
-      </p:sp>
-    </p:spTree>
-    <p:extLst>
-      <p:ext uri="{BB962C8B-B14F-4D97-AF65-F5344CB8AC3E}">
-        <p14:creationId xmlns:p14="http://schemas.microsoft.com/office/powerpoint/2010/main" val="195156912"/>
-      </p:ext>
-    </p:extLst>
-  </p:cSld>
-  <p:clrMapOvr>
-    <a:masterClrMapping/>
-  </p:clrMapOvr>
-  <p:timing>
-    <p:tnLst>
-      <p:par>
-        <p:cTn id="1" dur="indefinite" restart="never" nodeType="tmRoot"/>
-      </p:par>
-    </p:tnLst>
-  </p:timing>
-</p:sld>
-</file>
-
-<file path=ppt/slides/slide6.xml><?xml version="1.0" encoding="utf-8"?>
 <p:sld xmlns:a="http://schemas.openxmlformats.org/drawingml/2006/main" xmlns:r="http://schemas.openxmlformats.org/officeDocument/2006/relationships" xmlns:p="http://schemas.openxmlformats.org/presentationml/2006/main">
   <p:cSld>
     <p:spTree>
@@ -21333,10 +21090,9 @@
           <a:lstStyle/>
           <a:p>
             <a:r>
-              <a:rPr lang="en-US" dirty="0" smtClean="0"/>
+              <a:rPr lang="en-US" dirty="0"/>
               <a:t>STEP TWO: The Motion Sensor</a:t>
             </a:r>
-            <a:endParaRPr lang="en-US" dirty="0"/>
           </a:p>
         </p:txBody>
       </p:sp>
@@ -21378,10 +21134,29 @@
         </p:nvSpPr>
         <p:spPr/>
         <p:txBody>
-          <a:bodyPr/>
+          <a:bodyPr>
+            <a:normAutofit/>
+          </a:bodyPr>
           <a:lstStyle/>
           <a:p>
-            <a:endParaRPr lang="en-US" dirty="0"/>
+            <a:pPr marL="571500" indent="-571500">
+              <a:buFont typeface="Arial" panose="020B0604020202020204" pitchFamily="34" charset="0"/>
+              <a:buChar char="•"/>
+            </a:pPr>
+            <a:r>
+              <a:rPr lang="en-US" sz="3600" dirty="0"/>
+              <a:t>Testing Input from sensor</a:t>
+            </a:r>
+          </a:p>
+          <a:p>
+            <a:pPr marL="571500" indent="-571500">
+              <a:buFont typeface="Arial" panose="020B0604020202020204" pitchFamily="34" charset="0"/>
+              <a:buChar char="•"/>
+            </a:pPr>
+            <a:r>
+              <a:rPr lang="en-US" sz="3600" dirty="0"/>
+              <a:t>Fiddling with sensitivity and time offset</a:t>
+            </a:r>
           </a:p>
         </p:txBody>
       </p:sp>
@@ -21395,17 +21170,10 @@
   <p:clrMapOvr>
     <a:masterClrMapping/>
   </p:clrMapOvr>
-  <p:timing>
-    <p:tnLst>
-      <p:par>
-        <p:cTn id="1" dur="indefinite" restart="never" nodeType="tmRoot"/>
-      </p:par>
-    </p:tnLst>
-  </p:timing>
 </p:sld>
 </file>
 
-<file path=ppt/slides/slide7.xml><?xml version="1.0" encoding="utf-8"?>
+<file path=ppt/slides/slide6.xml><?xml version="1.0" encoding="utf-8"?>
 <p:sld xmlns:a="http://schemas.openxmlformats.org/drawingml/2006/main" xmlns:r="http://schemas.openxmlformats.org/officeDocument/2006/relationships" xmlns:p="http://schemas.openxmlformats.org/presentationml/2006/main">
   <p:cSld>
     <p:spTree>
@@ -21438,89 +21206,9 @@
           <a:lstStyle/>
           <a:p>
             <a:r>
-              <a:rPr lang="en-US" dirty="0" smtClean="0"/>
-              <a:t>STEP TWO (Continued)</a:t>
-            </a:r>
-            <a:endParaRPr lang="en-US" dirty="0"/>
-          </a:p>
-        </p:txBody>
-      </p:sp>
-      <p:sp>
-        <p:nvSpPr>
-          <p:cNvPr id="5" name="Content Placeholder 4"/>
-          <p:cNvSpPr>
-            <a:spLocks noGrp="1"/>
-          </p:cNvSpPr>
-          <p:nvPr>
-            <p:ph idx="1"/>
-          </p:nvPr>
-        </p:nvSpPr>
-        <p:spPr/>
-        <p:txBody>
-          <a:bodyPr/>
-          <a:lstStyle/>
-          <a:p>
-            <a:endParaRPr lang="en-US"/>
-          </a:p>
-        </p:txBody>
-      </p:sp>
-    </p:spTree>
-    <p:extLst>
-      <p:ext uri="{BB962C8B-B14F-4D97-AF65-F5344CB8AC3E}">
-        <p14:creationId xmlns:p14="http://schemas.microsoft.com/office/powerpoint/2010/main" val="1704596340"/>
-      </p:ext>
-    </p:extLst>
-  </p:cSld>
-  <p:clrMapOvr>
-    <a:masterClrMapping/>
-  </p:clrMapOvr>
-  <p:timing>
-    <p:tnLst>
-      <p:par>
-        <p:cTn id="1" dur="indefinite" restart="never" nodeType="tmRoot"/>
-      </p:par>
-    </p:tnLst>
-  </p:timing>
-</p:sld>
-</file>
-
-<file path=ppt/slides/slide8.xml><?xml version="1.0" encoding="utf-8"?>
-<p:sld xmlns:a="http://schemas.openxmlformats.org/drawingml/2006/main" xmlns:r="http://schemas.openxmlformats.org/officeDocument/2006/relationships" xmlns:p="http://schemas.openxmlformats.org/presentationml/2006/main">
-  <p:cSld>
-    <p:spTree>
-      <p:nvGrpSpPr>
-        <p:cNvPr id="1" name=""/>
-        <p:cNvGrpSpPr/>
-        <p:nvPr/>
-      </p:nvGrpSpPr>
-      <p:grpSpPr>
-        <a:xfrm>
-          <a:off x="0" y="0"/>
-          <a:ext cx="0" cy="0"/>
-          <a:chOff x="0" y="0"/>
-          <a:chExt cx="0" cy="0"/>
-        </a:xfrm>
-      </p:grpSpPr>
-      <p:sp>
-        <p:nvSpPr>
-          <p:cNvPr id="2" name="Title 1"/>
-          <p:cNvSpPr>
-            <a:spLocks noGrp="1"/>
-          </p:cNvSpPr>
-          <p:nvPr>
-            <p:ph type="title"/>
-          </p:nvPr>
-        </p:nvSpPr>
-        <p:spPr/>
-        <p:txBody>
-          <a:bodyPr/>
-          <a:lstStyle/>
-          <a:p>
-            <a:r>
-              <a:rPr lang="en-US" dirty="0" smtClean="0"/>
+              <a:rPr lang="en-US" dirty="0"/>
               <a:t>STEP FOUR: THE MOTOR</a:t>
             </a:r>
-            <a:endParaRPr lang="en-US" dirty="0"/>
           </a:p>
         </p:txBody>
       </p:sp>
@@ -21562,10 +21250,32 @@
         </p:nvSpPr>
         <p:spPr/>
         <p:txBody>
-          <a:bodyPr/>
+          <a:bodyPr>
+            <a:normAutofit/>
+          </a:bodyPr>
           <a:lstStyle/>
           <a:p>
-            <a:endParaRPr lang="en-US"/>
+            <a:pPr marL="571500" indent="-571500">
+              <a:buFont typeface="Arial" panose="020B0604020202020204" pitchFamily="34" charset="0"/>
+              <a:buChar char="•"/>
+            </a:pPr>
+            <a:r>
+              <a:rPr lang="en-US" sz="3600" dirty="0"/>
+              <a:t>The PWM(Pulse wave modification)</a:t>
+            </a:r>
+          </a:p>
+          <a:p>
+            <a:pPr marL="571500" indent="-571500">
+              <a:buFont typeface="Arial" panose="020B0604020202020204" pitchFamily="34" charset="0"/>
+              <a:buChar char="•"/>
+            </a:pPr>
+            <a:r>
+              <a:rPr lang="en-US" sz="3600" dirty="0"/>
+              <a:t>Determining Duty Cycle</a:t>
+            </a:r>
+          </a:p>
+          <a:p>
+            <a:endParaRPr lang="en-US" sz="3600" dirty="0"/>
           </a:p>
         </p:txBody>
       </p:sp>
@@ -21579,13 +21289,255 @@
   <p:clrMapOvr>
     <a:masterClrMapping/>
   </p:clrMapOvr>
-  <p:timing>
-    <p:tnLst>
-      <p:par>
-        <p:cTn id="1" dur="indefinite" restart="never" nodeType="tmRoot"/>
-      </p:par>
-    </p:tnLst>
-  </p:timing>
+</p:sld>
+</file>
+
+<file path=ppt/slides/slide7.xml><?xml version="1.0" encoding="utf-8"?>
+<p:sld xmlns:a="http://schemas.openxmlformats.org/drawingml/2006/main" xmlns:r="http://schemas.openxmlformats.org/officeDocument/2006/relationships" xmlns:p="http://schemas.openxmlformats.org/presentationml/2006/main">
+  <p:cSld>
+    <p:spTree>
+      <p:nvGrpSpPr>
+        <p:cNvPr id="1" name=""/>
+        <p:cNvGrpSpPr/>
+        <p:nvPr/>
+      </p:nvGrpSpPr>
+      <p:grpSpPr>
+        <a:xfrm>
+          <a:off x="0" y="0"/>
+          <a:ext cx="0" cy="0"/>
+          <a:chOff x="0" y="0"/>
+          <a:chExt cx="0" cy="0"/>
+        </a:xfrm>
+      </p:grpSpPr>
+      <p:sp>
+        <p:nvSpPr>
+          <p:cNvPr id="2" name="Title 1"/>
+          <p:cNvSpPr>
+            <a:spLocks noGrp="1"/>
+          </p:cNvSpPr>
+          <p:nvPr>
+            <p:ph type="title"/>
+          </p:nvPr>
+        </p:nvSpPr>
+        <p:spPr/>
+        <p:txBody>
+          <a:bodyPr/>
+          <a:lstStyle/>
+          <a:p>
+            <a:r>
+              <a:rPr lang="en-US" dirty="0"/>
+              <a:t>STEP FIVE : The culmination</a:t>
+            </a:r>
+          </a:p>
+        </p:txBody>
+      </p:sp>
+      <p:sp>
+        <p:nvSpPr>
+          <p:cNvPr id="3" name="Content Placeholder 2"/>
+          <p:cNvSpPr>
+            <a:spLocks noGrp="1"/>
+          </p:cNvSpPr>
+          <p:nvPr>
+            <p:ph idx="1"/>
+          </p:nvPr>
+        </p:nvSpPr>
+        <p:spPr/>
+        <p:txBody>
+          <a:bodyPr/>
+          <a:lstStyle/>
+          <a:p>
+            <a:endParaRPr lang="en-US"/>
+          </a:p>
+        </p:txBody>
+      </p:sp>
+      <p:sp>
+        <p:nvSpPr>
+          <p:cNvPr id="4" name="Text Placeholder 3"/>
+          <p:cNvSpPr>
+            <a:spLocks noGrp="1"/>
+          </p:cNvSpPr>
+          <p:nvPr>
+            <p:ph type="body" sz="half" idx="2"/>
+          </p:nvPr>
+        </p:nvSpPr>
+        <p:spPr/>
+        <p:txBody>
+          <a:bodyPr>
+            <a:normAutofit lnSpcReduction="10000"/>
+          </a:bodyPr>
+          <a:lstStyle/>
+          <a:p>
+            <a:pPr marL="571500" indent="-571500">
+              <a:buFont typeface="Arial" panose="020B0604020202020204" pitchFamily="34" charset="0"/>
+              <a:buChar char="•"/>
+            </a:pPr>
+            <a:r>
+              <a:rPr lang="en-US" sz="3600" dirty="0"/>
+              <a:t>Incorporating the LED</a:t>
+            </a:r>
+          </a:p>
+          <a:p>
+            <a:pPr marL="571500" indent="-571500">
+              <a:buFont typeface="Arial" panose="020B0604020202020204" pitchFamily="34" charset="0"/>
+              <a:buChar char="•"/>
+            </a:pPr>
+            <a:r>
+              <a:rPr lang="en-US" sz="3600" dirty="0"/>
+              <a:t>Incorporating the Sensors</a:t>
+            </a:r>
+          </a:p>
+          <a:p>
+            <a:pPr marL="571500" indent="-571500">
+              <a:buFont typeface="Arial" panose="020B0604020202020204" pitchFamily="34" charset="0"/>
+              <a:buChar char="•"/>
+            </a:pPr>
+            <a:r>
+              <a:rPr lang="en-US" sz="3600" dirty="0"/>
+              <a:t>Incorporating the Motor</a:t>
+            </a:r>
+          </a:p>
+          <a:p>
+            <a:endParaRPr lang="en-US" sz="3600" dirty="0"/>
+          </a:p>
+          <a:p>
+            <a:endParaRPr lang="en-US" sz="3600" dirty="0"/>
+          </a:p>
+        </p:txBody>
+      </p:sp>
+    </p:spTree>
+    <p:extLst>
+      <p:ext uri="{BB962C8B-B14F-4D97-AF65-F5344CB8AC3E}">
+        <p14:creationId xmlns:p14="http://schemas.microsoft.com/office/powerpoint/2010/main" val="1302959975"/>
+      </p:ext>
+    </p:extLst>
+  </p:cSld>
+  <p:clrMapOvr>
+    <a:masterClrMapping/>
+  </p:clrMapOvr>
+</p:sld>
+</file>
+
+<file path=ppt/slides/slide8.xml><?xml version="1.0" encoding="utf-8"?>
+<p:sld xmlns:a="http://schemas.openxmlformats.org/drawingml/2006/main" xmlns:r="http://schemas.openxmlformats.org/officeDocument/2006/relationships" xmlns:p="http://schemas.openxmlformats.org/presentationml/2006/main">
+  <p:cSld>
+    <p:spTree>
+      <p:nvGrpSpPr>
+        <p:cNvPr id="1" name=""/>
+        <p:cNvGrpSpPr/>
+        <p:nvPr/>
+      </p:nvGrpSpPr>
+      <p:grpSpPr>
+        <a:xfrm>
+          <a:off x="0" y="0"/>
+          <a:ext cx="0" cy="0"/>
+          <a:chOff x="0" y="0"/>
+          <a:chExt cx="0" cy="0"/>
+        </a:xfrm>
+      </p:grpSpPr>
+      <p:sp>
+        <p:nvSpPr>
+          <p:cNvPr id="2" name="Title 1"/>
+          <p:cNvSpPr>
+            <a:spLocks noGrp="1"/>
+          </p:cNvSpPr>
+          <p:nvPr>
+            <p:ph type="title"/>
+          </p:nvPr>
+        </p:nvSpPr>
+        <p:spPr/>
+        <p:txBody>
+          <a:bodyPr/>
+          <a:lstStyle/>
+          <a:p>
+            <a:r>
+              <a:rPr lang="en-US" dirty="0"/>
+              <a:t>Challenges</a:t>
+            </a:r>
+          </a:p>
+        </p:txBody>
+      </p:sp>
+      <p:sp>
+        <p:nvSpPr>
+          <p:cNvPr id="5" name="Content Placeholder 4"/>
+          <p:cNvSpPr>
+            <a:spLocks noGrp="1"/>
+          </p:cNvSpPr>
+          <p:nvPr>
+            <p:ph idx="1"/>
+          </p:nvPr>
+        </p:nvSpPr>
+        <p:spPr/>
+        <p:txBody>
+          <a:bodyPr>
+            <a:normAutofit/>
+          </a:bodyPr>
+          <a:lstStyle/>
+          <a:p>
+            <a:pPr>
+              <a:buFont typeface="Arial" panose="020B0604020202020204" pitchFamily="34" charset="0"/>
+              <a:buChar char="•"/>
+            </a:pPr>
+            <a:r>
+              <a:rPr lang="en-US" sz="3200" dirty="0"/>
+              <a:t>  The Sensitivity of the sensors</a:t>
+            </a:r>
+          </a:p>
+          <a:p>
+            <a:pPr>
+              <a:buFont typeface="Arial" panose="020B0604020202020204" pitchFamily="34" charset="0"/>
+              <a:buChar char="•"/>
+            </a:pPr>
+            <a:r>
+              <a:rPr lang="en-US" sz="3200" dirty="0"/>
+              <a:t> Calculations for the motor</a:t>
+            </a:r>
+          </a:p>
+          <a:p>
+            <a:pPr>
+              <a:buFont typeface="Arial" panose="020B0604020202020204" pitchFamily="34" charset="0"/>
+              <a:buChar char="•"/>
+            </a:pPr>
+            <a:r>
+              <a:rPr lang="en-US" sz="3200" dirty="0"/>
+              <a:t>Time offsets for LEDS</a:t>
+            </a:r>
+          </a:p>
+          <a:p>
+            <a:pPr>
+              <a:buFont typeface="Arial" panose="020B0604020202020204" pitchFamily="34" charset="0"/>
+              <a:buChar char="•"/>
+            </a:pPr>
+            <a:r>
+              <a:rPr lang="en-US" sz="3200" dirty="0"/>
+              <a:t>Conditionals in Python</a:t>
+            </a:r>
+          </a:p>
+          <a:p>
+            <a:pPr>
+              <a:buFont typeface="Arial" panose="020B0604020202020204" pitchFamily="34" charset="0"/>
+              <a:buChar char="•"/>
+            </a:pPr>
+            <a:endParaRPr lang="en-US" sz="3200" dirty="0"/>
+          </a:p>
+          <a:p>
+            <a:pPr>
+              <a:buFont typeface="Arial" panose="020B0604020202020204" pitchFamily="34" charset="0"/>
+              <a:buChar char="•"/>
+            </a:pPr>
+            <a:endParaRPr lang="en-US" sz="3200" dirty="0"/>
+          </a:p>
+        </p:txBody>
+      </p:sp>
+    </p:spTree>
+    <p:extLst>
+      <p:ext uri="{BB962C8B-B14F-4D97-AF65-F5344CB8AC3E}">
+        <p14:creationId xmlns:p14="http://schemas.microsoft.com/office/powerpoint/2010/main" val="2344320144"/>
+      </p:ext>
+    </p:extLst>
+  </p:cSld>
+  <p:clrMapOvr>
+    <a:masterClrMapping/>
+  </p:clrMapOvr>
 </p:sld>
 </file>
 
@@ -21622,10 +21574,9 @@
           <a:lstStyle/>
           <a:p>
             <a:r>
-              <a:rPr lang="en-US" dirty="0" smtClean="0"/>
-              <a:t>STEP FIVE : The culmination</a:t>
+              <a:rPr lang="en-US" dirty="0"/>
+              <a:t>CONCLUSION</a:t>
             </a:r>
-            <a:endParaRPr lang="en-US" dirty="0"/>
           </a:p>
         </p:txBody>
       </p:sp>
@@ -21641,49 +21592,32 @@
         </p:nvSpPr>
         <p:spPr/>
         <p:txBody>
-          <a:bodyPr/>
+          <a:bodyPr>
+            <a:normAutofit/>
+          </a:bodyPr>
           <a:lstStyle/>
           <a:p>
-            <a:endParaRPr lang="en-US"/>
-          </a:p>
-        </p:txBody>
-      </p:sp>
-      <p:sp>
-        <p:nvSpPr>
-          <p:cNvPr id="4" name="Text Placeholder 3"/>
-          <p:cNvSpPr>
-            <a:spLocks noGrp="1"/>
-          </p:cNvSpPr>
-          <p:nvPr>
-            <p:ph type="body" sz="half" idx="2"/>
-          </p:nvPr>
-        </p:nvSpPr>
-        <p:spPr/>
-        <p:txBody>
-          <a:bodyPr/>
-          <a:lstStyle/>
-          <a:p>
-            <a:endParaRPr lang="en-US"/>
+            <a:r>
+              <a:rPr lang="en-US" sz="2400" dirty="0"/>
+              <a:t>We wanted to get the motor to turn the blind up or down, but it turns out that it was neither strong enough or turns enough. So we had to settle for simply turning on or off the shade. There are actually many uses for this kind of setup. The Blind </a:t>
+            </a:r>
+            <a:r>
+              <a:rPr lang="en-US" sz="2400"/>
+              <a:t>is simply one example.</a:t>
+            </a:r>
           </a:p>
         </p:txBody>
       </p:sp>
     </p:spTree>
     <p:extLst>
       <p:ext uri="{BB962C8B-B14F-4D97-AF65-F5344CB8AC3E}">
-        <p14:creationId xmlns:p14="http://schemas.microsoft.com/office/powerpoint/2010/main" val="1302959975"/>
+        <p14:creationId xmlns:p14="http://schemas.microsoft.com/office/powerpoint/2010/main" val="3835368809"/>
       </p:ext>
     </p:extLst>
   </p:cSld>
   <p:clrMapOvr>
     <a:masterClrMapping/>
   </p:clrMapOvr>
-  <p:timing>
-    <p:tnLst>
-      <p:par>
-        <p:cTn id="1" dur="indefinite" restart="never" nodeType="tmRoot"/>
-      </p:par>
-    </p:tnLst>
-  </p:timing>
 </p:sld>
 </file>
 
